--- a/14-Multithreading.pptx
+++ b/14-Multithreading.pptx
@@ -5,7 +5,7 @@
     <p:sldMasterId id="2147483648" r:id="rId1"/>
   </p:sldMasterIdLst>
   <p:notesMasterIdLst>
-    <p:notesMasterId r:id="rId27"/>
+    <p:notesMasterId r:id="rId31"/>
   </p:notesMasterIdLst>
   <p:sldIdLst>
     <p:sldId id="256" r:id="rId2"/>
@@ -31,8 +31,12 @@
     <p:sldId id="279" r:id="rId22"/>
     <p:sldId id="280" r:id="rId23"/>
     <p:sldId id="283" r:id="rId24"/>
-    <p:sldId id="281" r:id="rId25"/>
-    <p:sldId id="282" r:id="rId26"/>
+    <p:sldId id="284" r:id="rId25"/>
+    <p:sldId id="285" r:id="rId26"/>
+    <p:sldId id="286" r:id="rId27"/>
+    <p:sldId id="287" r:id="rId28"/>
+    <p:sldId id="281" r:id="rId29"/>
+    <p:sldId id="282" r:id="rId30"/>
   </p:sldIdLst>
   <p:sldSz cx="9144000" cy="6858000" type="screen4x3"/>
   <p:notesSz cx="6858000" cy="9144000"/>
@@ -3677,6 +3681,13 @@
   <p:clrMapOvr>
     <a:masterClrMapping/>
   </p:clrMapOvr>
+  <p:timing>
+    <p:tnLst>
+      <p:par>
+        <p:cTn id="1" dur="indefinite" restart="never" nodeType="tmRoot"/>
+      </p:par>
+    </p:tnLst>
+  </p:timing>
 </p:sld>
 </file>
 
@@ -3807,6 +3818,13 @@
   <p:clrMapOvr>
     <a:masterClrMapping/>
   </p:clrMapOvr>
+  <p:timing>
+    <p:tnLst>
+      <p:par>
+        <p:cTn id="1" dur="indefinite" restart="never" nodeType="tmRoot"/>
+      </p:par>
+    </p:tnLst>
+  </p:timing>
 </p:sld>
 </file>
 
@@ -4041,6 +4059,13 @@
   <p:clrMapOvr>
     <a:masterClrMapping/>
   </p:clrMapOvr>
+  <p:timing>
+    <p:tnLst>
+      <p:par>
+        <p:cTn id="1" dur="indefinite" restart="never" nodeType="tmRoot"/>
+      </p:par>
+    </p:tnLst>
+  </p:timing>
 </p:sld>
 </file>
 
@@ -4179,6 +4204,13 @@
   <p:clrMapOvr>
     <a:masterClrMapping/>
   </p:clrMapOvr>
+  <p:timing>
+    <p:tnLst>
+      <p:par>
+        <p:cTn id="1" dur="indefinite" restart="never" nodeType="tmRoot"/>
+      </p:par>
+    </p:tnLst>
+  </p:timing>
 </p:sld>
 </file>
 
@@ -4320,6 +4352,13 @@
   <p:clrMapOvr>
     <a:masterClrMapping/>
   </p:clrMapOvr>
+  <p:timing>
+    <p:tnLst>
+      <p:par>
+        <p:cTn id="1" dur="indefinite" restart="never" nodeType="tmRoot"/>
+      </p:par>
+    </p:tnLst>
+  </p:timing>
 </p:sld>
 </file>
 
@@ -4788,6 +4827,13 @@
   <p:clrMapOvr>
     <a:masterClrMapping/>
   </p:clrMapOvr>
+  <p:timing>
+    <p:tnLst>
+      <p:par>
+        <p:cTn id="1" dur="indefinite" restart="never" nodeType="tmRoot"/>
+      </p:par>
+    </p:tnLst>
+  </p:timing>
 </p:sld>
 </file>
 
@@ -5239,6 +5285,13 @@
   <p:clrMapOvr>
     <a:masterClrMapping/>
   </p:clrMapOvr>
+  <p:timing>
+    <p:tnLst>
+      <p:par>
+        <p:cTn id="1" dur="indefinite" restart="never" nodeType="tmRoot"/>
+      </p:par>
+    </p:tnLst>
+  </p:timing>
 </p:sld>
 </file>
 
@@ -5356,6 +5409,13 @@
   <p:clrMapOvr>
     <a:masterClrMapping/>
   </p:clrMapOvr>
+  <p:timing>
+    <p:tnLst>
+      <p:par>
+        <p:cTn id="1" dur="indefinite" restart="never" nodeType="tmRoot"/>
+      </p:par>
+    </p:tnLst>
+  </p:timing>
 </p:sld>
 </file>
 
@@ -5462,6 +5522,13 @@
   <p:clrMapOvr>
     <a:masterClrMapping/>
   </p:clrMapOvr>
+  <p:timing>
+    <p:tnLst>
+      <p:par>
+        <p:cTn id="1" dur="indefinite" restart="never" nodeType="tmRoot"/>
+      </p:par>
+    </p:tnLst>
+  </p:timing>
 </p:sld>
 </file>
 
@@ -5771,6 +5838,13 @@
   <p:clrMapOvr>
     <a:masterClrMapping/>
   </p:clrMapOvr>
+  <p:timing>
+    <p:tnLst>
+      <p:par>
+        <p:cTn id="1" dur="indefinite" restart="never" nodeType="tmRoot"/>
+      </p:par>
+    </p:tnLst>
+  </p:timing>
 </p:sld>
 </file>
 
@@ -6513,7 +6587,31 @@
                   <a:schemeClr val="bg1"/>
                 </a:solidFill>
               </a:rPr>
-              <a:t> Напишете програма, която стартира предварително зададен брой нишки. Всяка нишка изписва "Thread X started", спи (Thread.Sleep()) случаен брой милисекунди и изписва "Thread X stopped". X трябва да се задава в конструктора на класа, който съдържа метода, използван в ThreadStart делегата.</a:t>
+              <a:t> Напишете програма, която стартира </a:t>
+            </a:r>
+            <a:r>
+              <a:rPr lang="en-US" dirty="0" smtClean="0">
+                <a:solidFill>
+                  <a:schemeClr val="bg1"/>
+                </a:solidFill>
+              </a:rPr>
+              <a:t>3 </a:t>
+            </a:r>
+            <a:r>
+              <a:rPr lang="bg-BG" dirty="0" smtClean="0">
+                <a:solidFill>
+                  <a:schemeClr val="bg1"/>
+                </a:solidFill>
+              </a:rPr>
+              <a:t>нишки</a:t>
+            </a:r>
+            <a:r>
+              <a:rPr lang="bg-BG" dirty="0">
+                <a:solidFill>
+                  <a:schemeClr val="bg1"/>
+                </a:solidFill>
+              </a:rPr>
+              <a:t>. Всяка нишка изписва "Thread X started", спи (Thread.Sleep()) случаен брой милисекунди и изписва "Thread X stopped". X трябва да се задава в конструктора на класа, който съдържа метода, използван в ThreadStart делегата.</a:t>
             </a:r>
             <a:endParaRPr lang="ru-RU" dirty="0">
               <a:solidFill>
@@ -6576,6 +6674,14 @@
               </a:rPr>
               <a:t>ThreadPool</a:t>
             </a:r>
+            <a:r>
+              <a:rPr lang="bg-BG" dirty="0" smtClean="0">
+                <a:solidFill>
+                  <a:schemeClr val="accent6"/>
+                </a:solidFill>
+              </a:rPr>
+              <a:t> (Пул от нишки)</a:t>
+            </a:r>
             <a:endParaRPr lang="en-US" dirty="0"/>
           </a:p>
         </p:txBody>
@@ -6600,6 +6706,46 @@
             <a:pPr marL="0" indent="0">
               <a:buNone/>
             </a:pPr>
+            <a:r>
+              <a:rPr lang="bg-BG" dirty="0">
+                <a:solidFill>
+                  <a:schemeClr val="bg1"/>
+                </a:solidFill>
+              </a:rPr>
+              <a:t>През голям период от своето съществуване, нишката се намира в състояние </a:t>
+            </a:r>
+            <a:r>
+              <a:rPr lang="bg-BG" b="1" dirty="0">
+                <a:solidFill>
+                  <a:schemeClr val="bg1"/>
+                </a:solidFill>
+              </a:rPr>
+              <a:t>ThreadState.WaitSleepJoin</a:t>
+            </a:r>
+            <a:r>
+              <a:rPr lang="bg-BG" dirty="0">
+                <a:solidFill>
+                  <a:schemeClr val="bg1"/>
+                </a:solidFill>
+              </a:rPr>
+              <a:t> – очакваща случването на някакво събитие или приспана със </a:t>
+            </a:r>
+            <a:r>
+              <a:rPr lang="bg-BG" b="1" dirty="0">
+                <a:solidFill>
+                  <a:schemeClr val="bg1"/>
+                </a:solidFill>
+              </a:rPr>
+              <a:t>Sleep(…)</a:t>
+            </a:r>
+            <a:r>
+              <a:rPr lang="bg-BG" dirty="0">
+                <a:solidFill>
+                  <a:schemeClr val="bg1"/>
+                </a:solidFill>
+              </a:rPr>
+              <a:t>. Понякога нишката се "събужда" за много кратки периоди, само за да провери дали е изпълнено някакво условие. Поддържането на много неактивни нишки е излишно и консумира ресурси.</a:t>
+            </a:r>
             <a:endParaRPr lang="ru-RU" dirty="0">
               <a:solidFill>
                 <a:schemeClr val="bg1"/>
@@ -6622,6 +6768,444 @@
 </file>
 
 <file path=ppt/slides/slide24.xml><?xml version="1.0" encoding="utf-8"?>
+<p:sld xmlns:a="http://schemas.openxmlformats.org/drawingml/2006/main" xmlns:r="http://schemas.openxmlformats.org/officeDocument/2006/relationships" xmlns:p="http://schemas.openxmlformats.org/presentationml/2006/main">
+  <p:cSld>
+    <p:spTree>
+      <p:nvGrpSpPr>
+        <p:cNvPr id="1" name=""/>
+        <p:cNvGrpSpPr/>
+        <p:nvPr/>
+      </p:nvGrpSpPr>
+      <p:grpSpPr>
+        <a:xfrm>
+          <a:off x="0" y="0"/>
+          <a:ext cx="0" cy="0"/>
+          <a:chOff x="0" y="0"/>
+          <a:chExt cx="0" cy="0"/>
+        </a:xfrm>
+      </p:grpSpPr>
+      <p:sp>
+        <p:nvSpPr>
+          <p:cNvPr id="2" name="Title 1"/>
+          <p:cNvSpPr>
+            <a:spLocks noGrp="1"/>
+          </p:cNvSpPr>
+          <p:nvPr>
+            <p:ph type="title"/>
+          </p:nvPr>
+        </p:nvSpPr>
+        <p:spPr/>
+        <p:txBody>
+          <a:bodyPr/>
+          <a:lstStyle/>
+          <a:p>
+            <a:r>
+              <a:rPr lang="en-US" dirty="0" err="1" smtClean="0">
+                <a:solidFill>
+                  <a:schemeClr val="accent6"/>
+                </a:solidFill>
+              </a:rPr>
+              <a:t>ThreadPool</a:t>
+            </a:r>
+            <a:r>
+              <a:rPr lang="bg-BG" dirty="0" smtClean="0">
+                <a:solidFill>
+                  <a:schemeClr val="accent6"/>
+                </a:solidFill>
+              </a:rPr>
+              <a:t> (Пул от нишки)</a:t>
+            </a:r>
+            <a:endParaRPr lang="en-US" dirty="0"/>
+          </a:p>
+        </p:txBody>
+      </p:sp>
+      <p:sp>
+        <p:nvSpPr>
+          <p:cNvPr id="3" name="Content Placeholder 2"/>
+          <p:cNvSpPr>
+            <a:spLocks noGrp="1"/>
+          </p:cNvSpPr>
+          <p:nvPr>
+            <p:ph idx="1"/>
+          </p:nvPr>
+        </p:nvSpPr>
+        <p:spPr/>
+        <p:txBody>
+          <a:bodyPr>
+            <a:normAutofit lnSpcReduction="10000"/>
+          </a:bodyPr>
+          <a:lstStyle/>
+          <a:p>
+            <a:pPr marL="0" indent="0">
+              <a:buNone/>
+            </a:pPr>
+            <a:r>
+              <a:rPr lang="ru-RU" dirty="0">
+                <a:solidFill>
+                  <a:schemeClr val="bg1"/>
+                </a:solidFill>
+              </a:rPr>
+              <a:t>Подходът на пула от нишки намалява натоварването при създаване и унищожаване на нишки. Група нишки, наречени работни нишки (worker threads), се създават в началото на многонишковото приложение и формират пул. Работните нишки са фиксиран брой – веднъж създадени, не се убиват и не се създават нови. При нова задача, пулът предоставя работна нишка за нейното изпълнение.</a:t>
+            </a:r>
+          </a:p>
+        </p:txBody>
+      </p:sp>
+    </p:spTree>
+    <p:extLst>
+      <p:ext uri="{BB962C8B-B14F-4D97-AF65-F5344CB8AC3E}">
+        <p14:creationId xmlns:p14="http://schemas.microsoft.com/office/powerpoint/2010/main" val="2751133767"/>
+      </p:ext>
+    </p:extLst>
+  </p:cSld>
+  <p:clrMapOvr>
+    <a:masterClrMapping/>
+  </p:clrMapOvr>
+</p:sld>
+</file>
+
+<file path=ppt/slides/slide25.xml><?xml version="1.0" encoding="utf-8"?>
+<p:sld xmlns:a="http://schemas.openxmlformats.org/drawingml/2006/main" xmlns:r="http://schemas.openxmlformats.org/officeDocument/2006/relationships" xmlns:p="http://schemas.openxmlformats.org/presentationml/2006/main">
+  <p:cSld>
+    <p:spTree>
+      <p:nvGrpSpPr>
+        <p:cNvPr id="1" name=""/>
+        <p:cNvGrpSpPr/>
+        <p:nvPr/>
+      </p:nvGrpSpPr>
+      <p:grpSpPr>
+        <a:xfrm>
+          <a:off x="0" y="0"/>
+          <a:ext cx="0" cy="0"/>
+          <a:chOff x="0" y="0"/>
+          <a:chExt cx="0" cy="0"/>
+        </a:xfrm>
+      </p:grpSpPr>
+      <p:sp>
+        <p:nvSpPr>
+          <p:cNvPr id="2" name="Title 1"/>
+          <p:cNvSpPr>
+            <a:spLocks noGrp="1"/>
+          </p:cNvSpPr>
+          <p:nvPr>
+            <p:ph type="title"/>
+          </p:nvPr>
+        </p:nvSpPr>
+        <p:spPr/>
+        <p:txBody>
+          <a:bodyPr/>
+          <a:lstStyle/>
+          <a:p>
+            <a:r>
+              <a:rPr lang="en-US" dirty="0" err="1" smtClean="0">
+                <a:solidFill>
+                  <a:schemeClr val="accent6"/>
+                </a:solidFill>
+              </a:rPr>
+              <a:t>ThreadPool</a:t>
+            </a:r>
+            <a:r>
+              <a:rPr lang="bg-BG" dirty="0" smtClean="0">
+                <a:solidFill>
+                  <a:schemeClr val="accent6"/>
+                </a:solidFill>
+              </a:rPr>
+              <a:t> предимства</a:t>
+            </a:r>
+            <a:endParaRPr lang="en-US" dirty="0"/>
+          </a:p>
+        </p:txBody>
+      </p:sp>
+      <p:sp>
+        <p:nvSpPr>
+          <p:cNvPr id="3" name="Content Placeholder 2"/>
+          <p:cNvSpPr>
+            <a:spLocks noGrp="1"/>
+          </p:cNvSpPr>
+          <p:nvPr>
+            <p:ph idx="1"/>
+          </p:nvPr>
+        </p:nvSpPr>
+        <p:spPr/>
+        <p:txBody>
+          <a:bodyPr>
+            <a:normAutofit fontScale="85000" lnSpcReduction="10000"/>
+          </a:bodyPr>
+          <a:lstStyle/>
+          <a:p>
+            <a:r>
+              <a:rPr lang="ru-RU" dirty="0">
+                <a:solidFill>
+                  <a:schemeClr val="bg1"/>
+                </a:solidFill>
+              </a:rPr>
+              <a:t>Пулът от нишки преизползва нишките. Не се губи време за създаване и унищожаване на нишки.</a:t>
+            </a:r>
+          </a:p>
+          <a:p>
+            <a:r>
+              <a:rPr lang="ru-RU" dirty="0">
+                <a:solidFill>
+                  <a:schemeClr val="bg1"/>
+                </a:solidFill>
+              </a:rPr>
+              <a:t>Задачата, обслужвана от работните нишки, се освобождава от задълже­нието да ги създава и контролира.</a:t>
+            </a:r>
+          </a:p>
+          <a:p>
+            <a:r>
+              <a:rPr lang="ru-RU" dirty="0">
+                <a:solidFill>
+                  <a:schemeClr val="bg1"/>
+                </a:solidFill>
+              </a:rPr>
+              <a:t>Увеличаването на производителността е не само по отношение на теку­щото приложение, но и по отношение на другите стартирани процеси. Постоянният брой на работните нишки позволява на операционната сис­тема да оптимизира кванта от време, предоставян на нишките от всички процеси.</a:t>
+            </a:r>
+          </a:p>
+        </p:txBody>
+      </p:sp>
+    </p:spTree>
+    <p:extLst>
+      <p:ext uri="{BB962C8B-B14F-4D97-AF65-F5344CB8AC3E}">
+        <p14:creationId xmlns:p14="http://schemas.microsoft.com/office/powerpoint/2010/main" val="2896561520"/>
+      </p:ext>
+    </p:extLst>
+  </p:cSld>
+  <p:clrMapOvr>
+    <a:masterClrMapping/>
+  </p:clrMapOvr>
+</p:sld>
+</file>
+
+<file path=ppt/slides/slide26.xml><?xml version="1.0" encoding="utf-8"?>
+<p:sld xmlns:a="http://schemas.openxmlformats.org/drawingml/2006/main" xmlns:r="http://schemas.openxmlformats.org/officeDocument/2006/relationships" xmlns:p="http://schemas.openxmlformats.org/presentationml/2006/main">
+  <p:cSld>
+    <p:spTree>
+      <p:nvGrpSpPr>
+        <p:cNvPr id="1" name=""/>
+        <p:cNvGrpSpPr/>
+        <p:nvPr/>
+      </p:nvGrpSpPr>
+      <p:grpSpPr>
+        <a:xfrm>
+          <a:off x="0" y="0"/>
+          <a:ext cx="0" cy="0"/>
+          <a:chOff x="0" y="0"/>
+          <a:chExt cx="0" cy="0"/>
+        </a:xfrm>
+      </p:grpSpPr>
+      <p:sp>
+        <p:nvSpPr>
+          <p:cNvPr id="2" name="Title 1"/>
+          <p:cNvSpPr>
+            <a:spLocks noGrp="1"/>
+          </p:cNvSpPr>
+          <p:nvPr>
+            <p:ph type="title"/>
+          </p:nvPr>
+        </p:nvSpPr>
+        <p:spPr/>
+        <p:txBody>
+          <a:bodyPr/>
+          <a:lstStyle/>
+          <a:p>
+            <a:r>
+              <a:rPr lang="en-US" dirty="0" err="1" smtClean="0">
+                <a:solidFill>
+                  <a:schemeClr val="accent6"/>
+                </a:solidFill>
+              </a:rPr>
+              <a:t>ThreadPool</a:t>
+            </a:r>
+            <a:r>
+              <a:rPr lang="bg-BG" dirty="0" smtClean="0">
+                <a:solidFill>
+                  <a:schemeClr val="accent6"/>
+                </a:solidFill>
+              </a:rPr>
+              <a:t> недостатъци</a:t>
+            </a:r>
+            <a:endParaRPr lang="en-US" dirty="0"/>
+          </a:p>
+        </p:txBody>
+      </p:sp>
+      <p:sp>
+        <p:nvSpPr>
+          <p:cNvPr id="3" name="Content Placeholder 2"/>
+          <p:cNvSpPr>
+            <a:spLocks noGrp="1"/>
+          </p:cNvSpPr>
+          <p:nvPr>
+            <p:ph idx="1"/>
+          </p:nvPr>
+        </p:nvSpPr>
+        <p:spPr/>
+        <p:txBody>
+          <a:bodyPr>
+            <a:normAutofit fontScale="92500" lnSpcReduction="20000"/>
+          </a:bodyPr>
+          <a:lstStyle/>
+          <a:p>
+            <a:r>
+              <a:rPr lang="ru-RU" dirty="0">
+                <a:solidFill>
+                  <a:schemeClr val="bg1"/>
+                </a:solidFill>
+              </a:rPr>
+              <a:t>Пулът от нишки е неудобен, когато е нужна контролираща нишка. Всички работни нишки са равнопоставени.</a:t>
+            </a:r>
+          </a:p>
+          <a:p>
+            <a:r>
+              <a:rPr lang="ru-RU" dirty="0">
+                <a:solidFill>
+                  <a:schemeClr val="bg1"/>
+                </a:solidFill>
+              </a:rPr>
+              <a:t>Работните нишки не трябва да работят върху споделени данни. Ако има нужда от синхронизация, пулът не е добро решение, защото по своята същност е асинхронен.</a:t>
+            </a:r>
+          </a:p>
+          <a:p>
+            <a:r>
+              <a:rPr lang="ru-RU" dirty="0">
+                <a:solidFill>
+                  <a:schemeClr val="bg1"/>
+                </a:solidFill>
+              </a:rPr>
+              <a:t>Ако някоя от задачите отнема много време, тя може да забави останалите.</a:t>
+            </a:r>
+          </a:p>
+          <a:p>
+            <a:r>
+              <a:rPr lang="ru-RU" dirty="0">
+                <a:solidFill>
+                  <a:schemeClr val="bg1"/>
+                </a:solidFill>
+              </a:rPr>
+              <a:t>Ако дадена задача е в пула от нишки, тя не може да се премахне от него.</a:t>
+            </a:r>
+          </a:p>
+        </p:txBody>
+      </p:sp>
+    </p:spTree>
+    <p:extLst>
+      <p:ext uri="{BB962C8B-B14F-4D97-AF65-F5344CB8AC3E}">
+        <p14:creationId xmlns:p14="http://schemas.microsoft.com/office/powerpoint/2010/main" val="3292400132"/>
+      </p:ext>
+    </p:extLst>
+  </p:cSld>
+  <p:clrMapOvr>
+    <a:masterClrMapping/>
+  </p:clrMapOvr>
+</p:sld>
+</file>
+
+<file path=ppt/slides/slide27.xml><?xml version="1.0" encoding="utf-8"?>
+<p:sld xmlns:a="http://schemas.openxmlformats.org/drawingml/2006/main" xmlns:r="http://schemas.openxmlformats.org/officeDocument/2006/relationships" xmlns:p="http://schemas.openxmlformats.org/presentationml/2006/main">
+  <p:cSld>
+    <p:spTree>
+      <p:nvGrpSpPr>
+        <p:cNvPr id="1" name=""/>
+        <p:cNvGrpSpPr/>
+        <p:nvPr/>
+      </p:nvGrpSpPr>
+      <p:grpSpPr>
+        <a:xfrm>
+          <a:off x="0" y="0"/>
+          <a:ext cx="0" cy="0"/>
+          <a:chOff x="0" y="0"/>
+          <a:chExt cx="0" cy="0"/>
+        </a:xfrm>
+      </p:grpSpPr>
+      <p:sp>
+        <p:nvSpPr>
+          <p:cNvPr id="2" name="Title 1"/>
+          <p:cNvSpPr>
+            <a:spLocks noGrp="1"/>
+          </p:cNvSpPr>
+          <p:nvPr>
+            <p:ph type="title"/>
+          </p:nvPr>
+        </p:nvSpPr>
+        <p:spPr/>
+        <p:txBody>
+          <a:bodyPr/>
+          <a:lstStyle/>
+          <a:p>
+            <a:r>
+              <a:rPr lang="en-US" dirty="0" err="1" smtClean="0">
+                <a:solidFill>
+                  <a:schemeClr val="accent6"/>
+                </a:solidFill>
+              </a:rPr>
+              <a:t>ThreadPool</a:t>
+            </a:r>
+            <a:r>
+              <a:rPr lang="bg-BG" dirty="0" smtClean="0">
+                <a:solidFill>
+                  <a:schemeClr val="accent6"/>
+                </a:solidFill>
+              </a:rPr>
+              <a:t> демо</a:t>
+            </a:r>
+            <a:endParaRPr lang="en-US" dirty="0"/>
+          </a:p>
+        </p:txBody>
+      </p:sp>
+      <p:pic>
+        <p:nvPicPr>
+          <p:cNvPr id="1026" name="Picture 2" descr="https://www.classes.cs.uchicago.edu/archive/2013/spring/12300-1/pa/pa2/threadpool.png"/>
+          <p:cNvPicPr>
+            <a:picLocks noChangeAspect="1" noChangeArrowheads="1"/>
+          </p:cNvPicPr>
+          <p:nvPr/>
+        </p:nvPicPr>
+        <p:blipFill>
+          <a:blip r:embed="rId2">
+            <a:extLst>
+              <a:ext uri="{28A0092B-C50C-407E-A947-70E740481C1C}">
+                <a14:useLocalDpi xmlns:a14="http://schemas.microsoft.com/office/drawing/2010/main" val="0"/>
+              </a:ext>
+            </a:extLst>
+          </a:blip>
+          <a:srcRect/>
+          <a:stretch>
+            <a:fillRect/>
+          </a:stretch>
+        </p:blipFill>
+        <p:spPr bwMode="auto">
+          <a:xfrm>
+            <a:off x="890587" y="1967706"/>
+            <a:ext cx="7362825" cy="3790950"/>
+          </a:xfrm>
+          <a:prstGeom prst="rect">
+            <a:avLst/>
+          </a:prstGeom>
+          <a:noFill/>
+          <a:extLst>
+            <a:ext uri="{909E8E84-426E-40DD-AFC4-6F175D3DCCD1}">
+              <a14:hiddenFill xmlns:a14="http://schemas.microsoft.com/office/drawing/2010/main">
+                <a:solidFill>
+                  <a:srgbClr val="FFFFFF"/>
+                </a:solidFill>
+              </a14:hiddenFill>
+            </a:ext>
+          </a:extLst>
+        </p:spPr>
+      </p:pic>
+    </p:spTree>
+    <p:extLst>
+      <p:ext uri="{BB962C8B-B14F-4D97-AF65-F5344CB8AC3E}">
+        <p14:creationId xmlns:p14="http://schemas.microsoft.com/office/powerpoint/2010/main" val="478808787"/>
+      </p:ext>
+    </p:extLst>
+  </p:cSld>
+  <p:clrMapOvr>
+    <a:masterClrMapping/>
+  </p:clrMapOvr>
+</p:sld>
+</file>
+
+<file path=ppt/slides/slide28.xml><?xml version="1.0" encoding="utf-8"?>
 <p:sld xmlns:a="http://schemas.openxmlformats.org/drawingml/2006/main" xmlns:r="http://schemas.openxmlformats.org/officeDocument/2006/relationships" xmlns:p="http://schemas.openxmlformats.org/presentationml/2006/main">
   <p:cSld>
     <p:spTree>
@@ -6811,7 +7395,7 @@
 </p:sld>
 </file>
 
-<file path=ppt/slides/slide25.xml><?xml version="1.0" encoding="utf-8"?>
+<file path=ppt/slides/slide29.xml><?xml version="1.0" encoding="utf-8"?>
 <p:sld xmlns:a="http://schemas.openxmlformats.org/drawingml/2006/main" xmlns:r="http://schemas.openxmlformats.org/officeDocument/2006/relationships" xmlns:p="http://schemas.openxmlformats.org/presentationml/2006/main">
   <p:cSld>
     <p:spTree>
@@ -7225,6 +7809,13 @@
   <p:clrMapOvr>
     <a:masterClrMapping/>
   </p:clrMapOvr>
+  <p:timing>
+    <p:tnLst>
+      <p:par>
+        <p:cTn id="1" dur="indefinite" restart="never" nodeType="tmRoot"/>
+      </p:par>
+    </p:tnLst>
+  </p:timing>
 </p:sld>
 </file>
 
@@ -7357,6 +7948,13 @@
   <p:clrMapOvr>
     <a:masterClrMapping/>
   </p:clrMapOvr>
+  <p:timing>
+    <p:tnLst>
+      <p:par>
+        <p:cTn id="1" dur="indefinite" restart="never" nodeType="tmRoot"/>
+      </p:par>
+    </p:tnLst>
+  </p:timing>
 </p:sld>
 </file>
 
@@ -7461,6 +8059,13 @@
   <p:clrMapOvr>
     <a:masterClrMapping/>
   </p:clrMapOvr>
+  <p:timing>
+    <p:tnLst>
+      <p:par>
+        <p:cTn id="1" dur="indefinite" restart="never" nodeType="tmRoot"/>
+      </p:par>
+    </p:tnLst>
+  </p:timing>
 </p:sld>
 </file>
 
@@ -7625,6 +8230,13 @@
   <p:clrMapOvr>
     <a:masterClrMapping/>
   </p:clrMapOvr>
+  <p:timing>
+    <p:tnLst>
+      <p:par>
+        <p:cTn id="1" dur="indefinite" restart="never" nodeType="tmRoot"/>
+      </p:par>
+    </p:tnLst>
+  </p:timing>
 </p:sld>
 </file>
 
@@ -7785,6 +8397,13 @@
   <p:clrMapOvr>
     <a:masterClrMapping/>
   </p:clrMapOvr>
+  <p:timing>
+    <p:tnLst>
+      <p:par>
+        <p:cTn id="1" dur="indefinite" restart="never" nodeType="tmRoot"/>
+      </p:par>
+    </p:tnLst>
+  </p:timing>
 </p:sld>
 </file>
 
@@ -7922,6 +8541,13 @@
   <p:clrMapOvr>
     <a:masterClrMapping/>
   </p:clrMapOvr>
+  <p:timing>
+    <p:tnLst>
+      <p:par>
+        <p:cTn id="1" dur="indefinite" restart="never" nodeType="tmRoot"/>
+      </p:par>
+    </p:tnLst>
+  </p:timing>
 </p:sld>
 </file>
 
@@ -8117,6 +8743,13 @@
   <p:clrMapOvr>
     <a:masterClrMapping/>
   </p:clrMapOvr>
+  <p:timing>
+    <p:tnLst>
+      <p:par>
+        <p:cTn id="1" dur="indefinite" restart="never" nodeType="tmRoot"/>
+      </p:par>
+    </p:tnLst>
+  </p:timing>
 </p:sld>
 </file>
 
